--- a/auca/sem-2/dbms/2 Chapter01.pptx
+++ b/auca/sem-2/dbms/2 Chapter01.pptx
@@ -8744,7 +8744,7 @@
             <a:pPr eaLnBrk="1" hangingPunct="1"/>
             <a:r>
               <a:rPr lang="en-US" altLang="en-US" sz="2400" b="1" dirty="0"/>
-              <a:t>Insulation(separet) between programs and data:</a:t>
+              <a:t>Insulation(separetion) between programs and data:</a:t>
             </a:r>
             <a:endParaRPr lang="en-US" altLang="en-US" sz="2400" b="1" dirty="0"/>
           </a:p>
